--- a/day 7/SAC_Training Day 7.pptx
+++ b/day 7/SAC_Training Day 7.pptx
@@ -251,7 +251,7 @@
           <a:p>
             <a:fld id="{4AF2A06D-4991-4208-8C88-4E8BAD69A8B8}" type="datetimeFigureOut">
               <a:rPr lang="en-US" smtClean="0"/>
-              <a:t>11/21/2021</a:t>
+              <a:t>1/9/2022</a:t>
             </a:fld>
             <a:endParaRPr lang="en-US"/>
           </a:p>
@@ -875,7 +875,7 @@
           <a:p>
             <a:fld id="{E26E0DA5-0C76-4851-AA82-0B75261F9EB4}" type="datetimeFigureOut">
               <a:rPr lang="en-US" smtClean="0"/>
-              <a:t>11/21/2021</a:t>
+              <a:t>1/9/2022</a:t>
             </a:fld>
             <a:endParaRPr lang="en-US"/>
           </a:p>
@@ -1043,7 +1043,7 @@
           <a:p>
             <a:fld id="{E26E0DA5-0C76-4851-AA82-0B75261F9EB4}" type="datetimeFigureOut">
               <a:rPr lang="en-US" smtClean="0"/>
-              <a:t>11/21/2021</a:t>
+              <a:t>1/9/2022</a:t>
             </a:fld>
             <a:endParaRPr lang="en-US"/>
           </a:p>
@@ -1221,7 +1221,7 @@
           <a:p>
             <a:fld id="{E26E0DA5-0C76-4851-AA82-0B75261F9EB4}" type="datetimeFigureOut">
               <a:rPr lang="en-US" smtClean="0"/>
-              <a:t>11/21/2021</a:t>
+              <a:t>1/9/2022</a:t>
             </a:fld>
             <a:endParaRPr lang="en-US"/>
           </a:p>
@@ -1548,7 +1548,7 @@
             <a:fld id="{9578D6DB-6798-42D2-B9AD-FC6F1C72FC30}" type="datetimeFigureOut">
               <a:rPr lang="en-US" smtClean="0"/>
               <a:pPr/>
-              <a:t>11/21/2021</a:t>
+              <a:t>1/9/2022</a:t>
             </a:fld>
             <a:endParaRPr lang="en-US"/>
           </a:p>
@@ -1790,7 +1790,7 @@
             <a:fld id="{425404F2-BE9A-4460-8815-8F645183555F}" type="datetimeFigureOut">
               <a:rPr lang="en-US" smtClean="0"/>
               <a:pPr/>
-              <a:t>11/21/2021</a:t>
+              <a:t>1/9/2022</a:t>
             </a:fld>
             <a:endParaRPr lang="en-US"/>
           </a:p>
@@ -1918,7 +1918,7 @@
             <a:fld id="{425404F2-BE9A-4460-8815-8F645183555F}" type="datetimeFigureOut">
               <a:rPr lang="en-US" smtClean="0"/>
               <a:pPr/>
-              <a:t>11/21/2021</a:t>
+              <a:t>1/9/2022</a:t>
             </a:fld>
             <a:endParaRPr lang="en-US"/>
           </a:p>
@@ -2168,7 +2168,7 @@
             <a:fld id="{425404F2-BE9A-4460-8815-8F645183555F}" type="datetimeFigureOut">
               <a:rPr lang="en-US" smtClean="0"/>
               <a:pPr/>
-              <a:t>11/21/2021</a:t>
+              <a:t>1/9/2022</a:t>
             </a:fld>
             <a:endParaRPr lang="en-US"/>
           </a:p>
@@ -2338,7 +2338,7 @@
             <a:fld id="{425404F2-BE9A-4460-8815-8F645183555F}" type="datetimeFigureOut">
               <a:rPr lang="en-US" smtClean="0"/>
               <a:pPr/>
-              <a:t>11/21/2021</a:t>
+              <a:t>1/9/2022</a:t>
             </a:fld>
             <a:endParaRPr lang="en-US"/>
           </a:p>
@@ -2625,7 +2625,7 @@
             <a:fld id="{425404F2-BE9A-4460-8815-8F645183555F}" type="datetimeFigureOut">
               <a:rPr lang="en-US" smtClean="0"/>
               <a:pPr/>
-              <a:t>11/21/2021</a:t>
+              <a:t>1/9/2022</a:t>
             </a:fld>
             <a:endParaRPr lang="en-US"/>
           </a:p>
@@ -3046,7 +3046,7 @@
             <a:fld id="{425404F2-BE9A-4460-8815-8F645183555F}" type="datetimeFigureOut">
               <a:rPr lang="en-US" smtClean="0"/>
               <a:pPr/>
-              <a:t>11/21/2021</a:t>
+              <a:t>1/9/2022</a:t>
             </a:fld>
             <a:endParaRPr lang="en-US"/>
           </a:p>
@@ -3171,7 +3171,7 @@
             <a:fld id="{425404F2-BE9A-4460-8815-8F645183555F}" type="datetimeFigureOut">
               <a:rPr lang="en-US" smtClean="0"/>
               <a:pPr/>
-              <a:t>11/21/2021</a:t>
+              <a:t>1/9/2022</a:t>
             </a:fld>
             <a:endParaRPr lang="en-US"/>
           </a:p>
@@ -3397,7 +3397,7 @@
           <a:p>
             <a:fld id="{E26E0DA5-0C76-4851-AA82-0B75261F9EB4}" type="datetimeFigureOut">
               <a:rPr lang="en-US" smtClean="0"/>
-              <a:t>11/21/2021</a:t>
+              <a:t>1/9/2022</a:t>
             </a:fld>
             <a:endParaRPr lang="en-US"/>
           </a:p>
@@ -3521,7 +3521,7 @@
             <a:fld id="{425404F2-BE9A-4460-8815-8F645183555F}" type="datetimeFigureOut">
               <a:rPr lang="en-US" smtClean="0"/>
               <a:pPr/>
-              <a:t>11/21/2021</a:t>
+              <a:t>1/9/2022</a:t>
             </a:fld>
             <a:endParaRPr lang="en-US"/>
           </a:p>
@@ -4068,7 +4068,7 @@
             <a:fld id="{425404F2-BE9A-4460-8815-8F645183555F}" type="datetimeFigureOut">
               <a:rPr lang="en-US" smtClean="0"/>
               <a:pPr/>
-              <a:t>11/21/2021</a:t>
+              <a:t>1/9/2022</a:t>
             </a:fld>
             <a:endParaRPr lang="en-US"/>
           </a:p>
@@ -4216,7 +4216,7 @@
             <a:fld id="{425404F2-BE9A-4460-8815-8F645183555F}" type="datetimeFigureOut">
               <a:rPr lang="en-US" smtClean="0"/>
               <a:pPr/>
-              <a:t>11/21/2021</a:t>
+              <a:t>1/9/2022</a:t>
             </a:fld>
             <a:endParaRPr lang="en-US"/>
           </a:p>
@@ -4449,7 +4449,7 @@
             <a:fld id="{425404F2-BE9A-4460-8815-8F645183555F}" type="datetimeFigureOut">
               <a:rPr lang="en-US" smtClean="0"/>
               <a:pPr/>
-              <a:t>11/21/2021</a:t>
+              <a:t>1/9/2022</a:t>
             </a:fld>
             <a:endParaRPr lang="en-US"/>
           </a:p>
@@ -4687,7 +4687,7 @@
             <a:fld id="{425404F2-BE9A-4460-8815-8F645183555F}" type="datetimeFigureOut">
               <a:rPr lang="en-US" smtClean="0"/>
               <a:pPr/>
-              <a:t>11/21/2021</a:t>
+              <a:t>1/9/2022</a:t>
             </a:fld>
             <a:endParaRPr lang="en-US"/>
           </a:p>
@@ -4869,7 +4869,7 @@
             <a:fld id="{425404F2-BE9A-4460-8815-8F645183555F}" type="datetimeFigureOut">
               <a:rPr lang="en-US" smtClean="0"/>
               <a:pPr/>
-              <a:t>11/21/2021</a:t>
+              <a:t>1/9/2022</a:t>
             </a:fld>
             <a:endParaRPr lang="en-US"/>
           </a:p>
@@ -5146,7 +5146,7 @@
             <a:fld id="{425404F2-BE9A-4460-8815-8F645183555F}" type="datetimeFigureOut">
               <a:rPr lang="en-US" smtClean="0"/>
               <a:pPr/>
-              <a:t>11/21/2021</a:t>
+              <a:t>1/9/2022</a:t>
             </a:fld>
             <a:endParaRPr lang="en-US"/>
           </a:p>
@@ -5400,7 +5400,7 @@
             <a:fld id="{425404F2-BE9A-4460-8815-8F645183555F}" type="datetimeFigureOut">
               <a:rPr lang="en-US" smtClean="0"/>
               <a:pPr/>
-              <a:t>11/21/2021</a:t>
+              <a:t>1/9/2022</a:t>
             </a:fld>
             <a:endParaRPr lang="en-US"/>
           </a:p>
@@ -5570,7 +5570,7 @@
             <a:fld id="{425404F2-BE9A-4460-8815-8F645183555F}" type="datetimeFigureOut">
               <a:rPr lang="en-US" smtClean="0"/>
               <a:pPr/>
-              <a:t>11/21/2021</a:t>
+              <a:t>1/9/2022</a:t>
             </a:fld>
             <a:endParaRPr lang="en-US"/>
           </a:p>
@@ -5750,7 +5750,7 @@
             <a:fld id="{425404F2-BE9A-4460-8815-8F645183555F}" type="datetimeFigureOut">
               <a:rPr lang="en-US" smtClean="0"/>
               <a:pPr/>
-              <a:t>11/21/2021</a:t>
+              <a:t>1/9/2022</a:t>
             </a:fld>
             <a:endParaRPr lang="en-US"/>
           </a:p>
@@ -5996,7 +5996,7 @@
           <a:p>
             <a:fld id="{E26E0DA5-0C76-4851-AA82-0B75261F9EB4}" type="datetimeFigureOut">
               <a:rPr lang="en-US" smtClean="0"/>
-              <a:t>11/21/2021</a:t>
+              <a:t>1/9/2022</a:t>
             </a:fld>
             <a:endParaRPr lang="en-US"/>
           </a:p>
@@ -6323,7 +6323,7 @@
             <a:fld id="{9578D6DB-6798-42D2-B9AD-FC6F1C72FC30}" type="datetimeFigureOut">
               <a:rPr lang="en-US" smtClean="0"/>
               <a:pPr/>
-              <a:t>11/21/2021</a:t>
+              <a:t>1/9/2022</a:t>
             </a:fld>
             <a:endParaRPr lang="en-US"/>
           </a:p>
@@ -6565,7 +6565,7 @@
             <a:fld id="{425404F2-BE9A-4460-8815-8F645183555F}" type="datetimeFigureOut">
               <a:rPr lang="en-US" smtClean="0"/>
               <a:pPr/>
-              <a:t>11/21/2021</a:t>
+              <a:t>1/9/2022</a:t>
             </a:fld>
             <a:endParaRPr lang="en-US"/>
           </a:p>
@@ -6693,7 +6693,7 @@
             <a:fld id="{425404F2-BE9A-4460-8815-8F645183555F}" type="datetimeFigureOut">
               <a:rPr lang="en-US" smtClean="0"/>
               <a:pPr/>
-              <a:t>11/21/2021</a:t>
+              <a:t>1/9/2022</a:t>
             </a:fld>
             <a:endParaRPr lang="en-US"/>
           </a:p>
@@ -6943,7 +6943,7 @@
             <a:fld id="{425404F2-BE9A-4460-8815-8F645183555F}" type="datetimeFigureOut">
               <a:rPr lang="en-US" smtClean="0"/>
               <a:pPr/>
-              <a:t>11/21/2021</a:t>
+              <a:t>1/9/2022</a:t>
             </a:fld>
             <a:endParaRPr lang="en-US"/>
           </a:p>
@@ -7113,7 +7113,7 @@
             <a:fld id="{425404F2-BE9A-4460-8815-8F645183555F}" type="datetimeFigureOut">
               <a:rPr lang="en-US" smtClean="0"/>
               <a:pPr/>
-              <a:t>11/21/2021</a:t>
+              <a:t>1/9/2022</a:t>
             </a:fld>
             <a:endParaRPr lang="en-US"/>
           </a:p>
@@ -7400,7 +7400,7 @@
             <a:fld id="{425404F2-BE9A-4460-8815-8F645183555F}" type="datetimeFigureOut">
               <a:rPr lang="en-US" smtClean="0"/>
               <a:pPr/>
-              <a:t>11/21/2021</a:t>
+              <a:t>1/9/2022</a:t>
             </a:fld>
             <a:endParaRPr lang="en-US"/>
           </a:p>
@@ -7821,7 +7821,7 @@
             <a:fld id="{425404F2-BE9A-4460-8815-8F645183555F}" type="datetimeFigureOut">
               <a:rPr lang="en-US" smtClean="0"/>
               <a:pPr/>
-              <a:t>11/21/2021</a:t>
+              <a:t>1/9/2022</a:t>
             </a:fld>
             <a:endParaRPr lang="en-US"/>
           </a:p>
@@ -7946,7 +7946,7 @@
             <a:fld id="{425404F2-BE9A-4460-8815-8F645183555F}" type="datetimeFigureOut">
               <a:rPr lang="en-US" smtClean="0"/>
               <a:pPr/>
-              <a:t>11/21/2021</a:t>
+              <a:t>1/9/2022</a:t>
             </a:fld>
             <a:endParaRPr lang="en-US"/>
           </a:p>
@@ -8128,7 +8128,7 @@
             <a:fld id="{425404F2-BE9A-4460-8815-8F645183555F}" type="datetimeFigureOut">
               <a:rPr lang="en-US" smtClean="0"/>
               <a:pPr/>
-              <a:t>11/21/2021</a:t>
+              <a:t>1/9/2022</a:t>
             </a:fld>
             <a:endParaRPr lang="en-US"/>
           </a:p>
@@ -8675,7 +8675,7 @@
             <a:fld id="{425404F2-BE9A-4460-8815-8F645183555F}" type="datetimeFigureOut">
               <a:rPr lang="en-US" smtClean="0"/>
               <a:pPr/>
-              <a:t>11/21/2021</a:t>
+              <a:t>1/9/2022</a:t>
             </a:fld>
             <a:endParaRPr lang="en-US"/>
           </a:p>
@@ -8905,7 +8905,7 @@
           <a:p>
             <a:fld id="{E26E0DA5-0C76-4851-AA82-0B75261F9EB4}" type="datetimeFigureOut">
               <a:rPr lang="en-US" smtClean="0"/>
-              <a:t>11/21/2021</a:t>
+              <a:t>1/9/2022</a:t>
             </a:fld>
             <a:endParaRPr lang="en-US"/>
           </a:p>
@@ -9052,7 +9052,7 @@
             <a:fld id="{425404F2-BE9A-4460-8815-8F645183555F}" type="datetimeFigureOut">
               <a:rPr lang="en-US" smtClean="0"/>
               <a:pPr/>
-              <a:t>11/21/2021</a:t>
+              <a:t>1/9/2022</a:t>
             </a:fld>
             <a:endParaRPr lang="en-US"/>
           </a:p>
@@ -9285,7 +9285,7 @@
             <a:fld id="{425404F2-BE9A-4460-8815-8F645183555F}" type="datetimeFigureOut">
               <a:rPr lang="en-US" smtClean="0"/>
               <a:pPr/>
-              <a:t>11/21/2021</a:t>
+              <a:t>1/9/2022</a:t>
             </a:fld>
             <a:endParaRPr lang="en-US"/>
           </a:p>
@@ -9523,7 +9523,7 @@
             <a:fld id="{425404F2-BE9A-4460-8815-8F645183555F}" type="datetimeFigureOut">
               <a:rPr lang="en-US" smtClean="0"/>
               <a:pPr/>
-              <a:t>11/21/2021</a:t>
+              <a:t>1/9/2022</a:t>
             </a:fld>
             <a:endParaRPr lang="en-US"/>
           </a:p>
@@ -9705,7 +9705,7 @@
             <a:fld id="{425404F2-BE9A-4460-8815-8F645183555F}" type="datetimeFigureOut">
               <a:rPr lang="en-US" smtClean="0"/>
               <a:pPr/>
-              <a:t>11/21/2021</a:t>
+              <a:t>1/9/2022</a:t>
             </a:fld>
             <a:endParaRPr lang="en-US"/>
           </a:p>
@@ -9982,7 +9982,7 @@
             <a:fld id="{425404F2-BE9A-4460-8815-8F645183555F}" type="datetimeFigureOut">
               <a:rPr lang="en-US" smtClean="0"/>
               <a:pPr/>
-              <a:t>11/21/2021</a:t>
+              <a:t>1/9/2022</a:t>
             </a:fld>
             <a:endParaRPr lang="en-US"/>
           </a:p>
@@ -10236,7 +10236,7 @@
             <a:fld id="{425404F2-BE9A-4460-8815-8F645183555F}" type="datetimeFigureOut">
               <a:rPr lang="en-US" smtClean="0"/>
               <a:pPr/>
-              <a:t>11/21/2021</a:t>
+              <a:t>1/9/2022</a:t>
             </a:fld>
             <a:endParaRPr lang="en-US"/>
           </a:p>
@@ -10406,7 +10406,7 @@
             <a:fld id="{425404F2-BE9A-4460-8815-8F645183555F}" type="datetimeFigureOut">
               <a:rPr lang="en-US" smtClean="0"/>
               <a:pPr/>
-              <a:t>11/21/2021</a:t>
+              <a:t>1/9/2022</a:t>
             </a:fld>
             <a:endParaRPr lang="en-US"/>
           </a:p>
@@ -10586,7 +10586,7 @@
             <a:fld id="{425404F2-BE9A-4460-8815-8F645183555F}" type="datetimeFigureOut">
               <a:rPr lang="en-US" smtClean="0"/>
               <a:pPr/>
-              <a:t>11/21/2021</a:t>
+              <a:t>1/9/2022</a:t>
             </a:fld>
             <a:endParaRPr lang="en-US"/>
           </a:p>
@@ -10711,7 +10711,7 @@
             <a:fld id="{425404F2-BE9A-4460-8815-8F645183555F}" type="datetimeFigureOut">
               <a:rPr lang="en-US" smtClean="0"/>
               <a:pPr/>
-              <a:t>11/21/2021</a:t>
+              <a:t>1/9/2022</a:t>
             </a:fld>
             <a:endParaRPr lang="en-US"/>
           </a:p>
@@ -11133,7 +11133,7 @@
           <a:p>
             <a:fld id="{E26E0DA5-0C76-4851-AA82-0B75261F9EB4}" type="datetimeFigureOut">
               <a:rPr lang="en-US" smtClean="0"/>
-              <a:t>11/21/2021</a:t>
+              <a:t>1/9/2022</a:t>
             </a:fld>
             <a:endParaRPr lang="en-US"/>
           </a:p>
@@ -11250,7 +11250,7 @@
           <a:p>
             <a:fld id="{E26E0DA5-0C76-4851-AA82-0B75261F9EB4}" type="datetimeFigureOut">
               <a:rPr lang="en-US" smtClean="0"/>
-              <a:t>11/21/2021</a:t>
+              <a:t>1/9/2022</a:t>
             </a:fld>
             <a:endParaRPr lang="en-US"/>
           </a:p>
@@ -11345,7 +11345,7 @@
           <a:p>
             <a:fld id="{E26E0DA5-0C76-4851-AA82-0B75261F9EB4}" type="datetimeFigureOut">
               <a:rPr lang="en-US" smtClean="0"/>
-              <a:t>11/21/2021</a:t>
+              <a:t>1/9/2022</a:t>
             </a:fld>
             <a:endParaRPr lang="en-US"/>
           </a:p>
@@ -11620,7 +11620,7 @@
           <a:p>
             <a:fld id="{E26E0DA5-0C76-4851-AA82-0B75261F9EB4}" type="datetimeFigureOut">
               <a:rPr lang="en-US" smtClean="0"/>
-              <a:t>11/21/2021</a:t>
+              <a:t>1/9/2022</a:t>
             </a:fld>
             <a:endParaRPr lang="en-US"/>
           </a:p>
@@ -11872,7 +11872,7 @@
           <a:p>
             <a:fld id="{E26E0DA5-0C76-4851-AA82-0B75261F9EB4}" type="datetimeFigureOut">
               <a:rPr lang="en-US" smtClean="0"/>
-              <a:t>11/21/2021</a:t>
+              <a:t>1/9/2022</a:t>
             </a:fld>
             <a:endParaRPr lang="en-US"/>
           </a:p>
@@ -12083,7 +12083,7 @@
           <a:p>
             <a:fld id="{E26E0DA5-0C76-4851-AA82-0B75261F9EB4}" type="datetimeFigureOut">
               <a:rPr lang="en-US" smtClean="0"/>
-              <a:t>11/21/2021</a:t>
+              <a:t>1/9/2022</a:t>
             </a:fld>
             <a:endParaRPr lang="en-US"/>
           </a:p>
@@ -12640,7 +12640,7 @@
             <a:fld id="{425404F2-BE9A-4460-8815-8F645183555F}" type="datetimeFigureOut">
               <a:rPr lang="en-US" smtClean="0"/>
               <a:pPr/>
-              <a:t>11/21/2021</a:t>
+              <a:t>1/9/2022</a:t>
             </a:fld>
             <a:endParaRPr lang="en-US"/>
           </a:p>
@@ -13175,7 +13175,7 @@
             <a:fld id="{425404F2-BE9A-4460-8815-8F645183555F}" type="datetimeFigureOut">
               <a:rPr lang="en-US" smtClean="0"/>
               <a:pPr/>
-              <a:t>11/21/2021</a:t>
+              <a:t>1/9/2022</a:t>
             </a:fld>
             <a:endParaRPr lang="en-US"/>
           </a:p>
